--- a/second/slides/Introduction_to_WOFRY.pptx
+++ b/second/slides/Introduction_to_WOFRY.pptx
@@ -120,7 +120,7 @@
   </p:defaultTextStyle>
   <p:extLst>
     <p:ext uri="{EFAFB233-063F-42B5-8137-9DF3F51BA10A}">
-      <p15:sldGuideLst xmlns:p15="http://schemas.microsoft.com/office/powerpoint/2012/main" xmlns="">
+      <p15:sldGuideLst xmlns="" xmlns:p15="http://schemas.microsoft.com/office/powerpoint/2012/main">
         <p15:guide id="1" orient="horz" pos="2160">
           <p15:clr>
             <a:srgbClr val="A4A3A4"/>
@@ -219,7 +219,7 @@
           <a:p>
             <a:fld id="{8D8CAC2A-6F73-C54A-AD32-F1F7A66AE92F}" type="datetime1">
               <a:rPr lang="en-US" smtClean="0"/>
-              <a:t>Dec/7/19</a:t>
+              <a:t>Dec/8/19</a:t>
             </a:fld>
             <a:endParaRPr lang="en-US"/>
           </a:p>
@@ -385,7 +385,7 @@
           <a:p>
             <a:fld id="{D72BE6DB-1362-9D4D-B51B-20E1914E0251}" type="datetime1">
               <a:rPr lang="en-US" smtClean="0"/>
-              <a:t>Dec/7/19</a:t>
+              <a:t>Dec/8/19</a:t>
             </a:fld>
             <a:endParaRPr lang="en-US"/>
           </a:p>
@@ -874,7 +874,7 @@
           <a:p>
             <a:fld id="{33ED6462-88CB-4387-9DD0-5CAA984BBCF8}" type="datetimeFigureOut">
               <a:rPr lang="en-US" smtClean="0"/>
-              <a:t>Dec/7/19</a:t>
+              <a:t>Dec/8/19</a:t>
             </a:fld>
             <a:endParaRPr lang="en-US"/>
           </a:p>
@@ -1044,7 +1044,7 @@
           <a:p>
             <a:fld id="{33ED6462-88CB-4387-9DD0-5CAA984BBCF8}" type="datetimeFigureOut">
               <a:rPr lang="en-US" smtClean="0"/>
-              <a:t>Dec/7/19</a:t>
+              <a:t>Dec/8/19</a:t>
             </a:fld>
             <a:endParaRPr lang="en-US"/>
           </a:p>
@@ -1290,7 +1290,7 @@
           <a:p>
             <a:fld id="{33ED6462-88CB-4387-9DD0-5CAA984BBCF8}" type="datetimeFigureOut">
               <a:rPr lang="en-US" smtClean="0"/>
-              <a:t>Dec/7/19</a:t>
+              <a:t>Dec/8/19</a:t>
             </a:fld>
             <a:endParaRPr lang="en-US"/>
           </a:p>
@@ -1522,7 +1522,7 @@
           <a:p>
             <a:fld id="{33ED6462-88CB-4387-9DD0-5CAA984BBCF8}" type="datetimeFigureOut">
               <a:rPr lang="en-US" smtClean="0"/>
-              <a:t>Dec/7/19</a:t>
+              <a:t>Dec/8/19</a:t>
             </a:fld>
             <a:endParaRPr lang="en-US"/>
           </a:p>
@@ -1889,7 +1889,7 @@
           <a:p>
             <a:fld id="{33ED6462-88CB-4387-9DD0-5CAA984BBCF8}" type="datetimeFigureOut">
               <a:rPr lang="en-US" smtClean="0"/>
-              <a:t>Dec/7/19</a:t>
+              <a:t>Dec/8/19</a:t>
             </a:fld>
             <a:endParaRPr lang="en-US"/>
           </a:p>
@@ -2007,7 +2007,7 @@
           <a:p>
             <a:fld id="{33ED6462-88CB-4387-9DD0-5CAA984BBCF8}" type="datetimeFigureOut">
               <a:rPr lang="en-US" smtClean="0"/>
-              <a:t>Dec/7/19</a:t>
+              <a:t>Dec/8/19</a:t>
             </a:fld>
             <a:endParaRPr lang="en-US"/>
           </a:p>
@@ -2102,7 +2102,7 @@
           <a:p>
             <a:fld id="{33ED6462-88CB-4387-9DD0-5CAA984BBCF8}" type="datetimeFigureOut">
               <a:rPr lang="en-US" smtClean="0"/>
-              <a:t>Dec/7/19</a:t>
+              <a:t>Dec/8/19</a:t>
             </a:fld>
             <a:endParaRPr lang="en-US"/>
           </a:p>
@@ -2379,7 +2379,7 @@
           <a:p>
             <a:fld id="{33ED6462-88CB-4387-9DD0-5CAA984BBCF8}" type="datetimeFigureOut">
               <a:rPr lang="en-US" smtClean="0"/>
-              <a:t>Dec/7/19</a:t>
+              <a:t>Dec/8/19</a:t>
             </a:fld>
             <a:endParaRPr lang="en-US"/>
           </a:p>
@@ -2632,7 +2632,7 @@
           <a:p>
             <a:fld id="{33ED6462-88CB-4387-9DD0-5CAA984BBCF8}" type="datetimeFigureOut">
               <a:rPr lang="en-US" smtClean="0"/>
-              <a:t>Dec/7/19</a:t>
+              <a:t>Dec/8/19</a:t>
             </a:fld>
             <a:endParaRPr lang="en-US"/>
           </a:p>
@@ -2802,7 +2802,7 @@
           <a:p>
             <a:fld id="{33ED6462-88CB-4387-9DD0-5CAA984BBCF8}" type="datetimeFigureOut">
               <a:rPr lang="en-US" smtClean="0"/>
-              <a:t>Dec/7/19</a:t>
+              <a:t>Dec/8/19</a:t>
             </a:fld>
             <a:endParaRPr lang="en-US"/>
           </a:p>
@@ -3109,7 +3109,7 @@
           <a:p>
             <a:fld id="{33ED6462-88CB-4387-9DD0-5CAA984BBCF8}" type="datetimeFigureOut">
               <a:rPr lang="en-US" smtClean="0"/>
-              <a:t>Dec/7/19</a:t>
+              <a:t>Dec/8/19</a:t>
             </a:fld>
             <a:endParaRPr lang="en-US"/>
           </a:p>
@@ -4425,27 +4425,7 @@
                 <a:latin typeface="Calibri"/>
                 <a:cs typeface="Calibri"/>
               </a:rPr>
-              <a:t>Introduction to </a:t>
-            </a:r>
-            <a:r>
-              <a:rPr lang="en-US" sz="1200" b="1" dirty="0" smtClean="0">
-                <a:solidFill>
-                  <a:schemeClr val="tx2"/>
-                </a:solidFill>
-                <a:latin typeface="Calibri"/>
-                <a:cs typeface="Calibri"/>
-              </a:rPr>
-              <a:t>WOFRY    OASYS </a:t>
-            </a:r>
-            <a:r>
-              <a:rPr lang="en-US" sz="1200" b="1" dirty="0" smtClean="0">
-                <a:solidFill>
-                  <a:schemeClr val="tx2"/>
-                </a:solidFill>
-                <a:latin typeface="Calibri"/>
-                <a:cs typeface="Calibri"/>
-              </a:rPr>
-              <a:t>2nd School ANL-APS</a:t>
+              <a:t>Introduction to WOFRY    OASYS 2nd School ANL-APS</a:t>
             </a:r>
             <a:r>
               <a:rPr lang="en-US" sz="1200" b="1" baseline="0" dirty="0" smtClean="0">
@@ -4455,27 +4435,7 @@
                 <a:latin typeface="Calibri"/>
                 <a:cs typeface="Calibri"/>
               </a:rPr>
-              <a:t> December </a:t>
-            </a:r>
-            <a:r>
-              <a:rPr lang="en-US" sz="1200" b="1" baseline="0" dirty="0" smtClean="0">
-                <a:solidFill>
-                  <a:schemeClr val="tx2"/>
-                </a:solidFill>
-                <a:latin typeface="Calibri"/>
-                <a:cs typeface="Calibri"/>
-              </a:rPr>
-              <a:t>12 </a:t>
-            </a:r>
-            <a:r>
-              <a:rPr lang="en-US" sz="1200" b="1" baseline="0" dirty="0" smtClean="0">
-                <a:solidFill>
-                  <a:schemeClr val="tx2"/>
-                </a:solidFill>
-                <a:latin typeface="Calibri"/>
-                <a:cs typeface="Calibri"/>
-              </a:rPr>
-              <a:t>2019</a:t>
+              <a:t> December 12 2019</a:t>
             </a:r>
             <a:endParaRPr lang="en-US" sz="1200" b="1" dirty="0" smtClean="0">
               <a:solidFill>
@@ -4972,7 +4932,7 @@
           <a:p>
             <a:fld id="{33ED6462-88CB-4387-9DD0-5CAA984BBCF8}" type="datetimeFigureOut">
               <a:rPr lang="en-US" smtClean="0"/>
-              <a:t>Dec/7/19</a:t>
+              <a:t>Dec/8/19</a:t>
             </a:fld>
             <a:endParaRPr lang="en-US"/>
           </a:p>
@@ -6581,13 +6541,6 @@
               </a:rPr>
               <a:t>1D</a:t>
             </a:r>
-            <a:endParaRPr lang="en-US" sz="4400" dirty="0" smtClean="0">
-              <a:solidFill>
-                <a:schemeClr val="tx2"/>
-              </a:solidFill>
-              <a:latin typeface="Calibri"/>
-              <a:cs typeface="Calibri"/>
-            </a:endParaRPr>
           </a:p>
         </p:txBody>
       </p:sp>
@@ -6623,13 +6576,6 @@
               </a:rPr>
               <a:t>2D</a:t>
             </a:r>
-            <a:endParaRPr lang="en-US" sz="4400" dirty="0" smtClean="0">
-              <a:solidFill>
-                <a:schemeClr val="tx2"/>
-              </a:solidFill>
-              <a:latin typeface="Calibri"/>
-              <a:cs typeface="Calibri"/>
-            </a:endParaRPr>
           </a:p>
         </p:txBody>
       </p:sp>
@@ -6713,13 +6659,6 @@
               </a:rPr>
               <a:t>Fresnel Zoom Scaled</a:t>
             </a:r>
-            <a:endParaRPr lang="en-US" sz="2400" dirty="0" smtClean="0">
-              <a:solidFill>
-                <a:schemeClr val="tx2"/>
-              </a:solidFill>
-              <a:latin typeface="Calibri"/>
-              <a:cs typeface="Calibri"/>
-            </a:endParaRPr>
           </a:p>
         </p:txBody>
       </p:sp>
@@ -8529,9 +8468,55 @@
           </a:p>
         </p:txBody>
       </p:sp>
+      <p:sp>
+        <p:nvSpPr>
+          <p:cNvPr id="4" name="TextBox 3"/>
+          <p:cNvSpPr txBox="1"/>
+          <p:nvPr/>
+        </p:nvSpPr>
+        <p:spPr>
+          <a:xfrm>
+            <a:off x="762000" y="5638800"/>
+            <a:ext cx="3725749" cy="830997"/>
+          </a:xfrm>
+          <a:prstGeom prst="rect">
+            <a:avLst/>
+          </a:prstGeom>
+          <a:noFill/>
+        </p:spPr>
+        <p:txBody>
+          <a:bodyPr wrap="none" rtlCol="0">
+            <a:spAutoFit/>
+          </a:bodyPr>
+          <a:lstStyle/>
+          <a:p>
+            <a:r>
+              <a:rPr lang="en-US" sz="2400" dirty="0"/>
+              <a:t>https://</a:t>
+            </a:r>
+            <a:r>
+              <a:rPr lang="en-US" sz="2400" dirty="0" err="1"/>
+              <a:t>tinyurl.com</a:t>
+            </a:r>
+            <a:r>
+              <a:rPr lang="en-US" sz="2400" dirty="0"/>
+              <a:t>/r5fq6pe</a:t>
+            </a:r>
+          </a:p>
+          <a:p>
+            <a:endParaRPr lang="en-US" sz="2400" dirty="0" smtClean="0">
+              <a:solidFill>
+                <a:schemeClr val="tx2"/>
+              </a:solidFill>
+              <a:latin typeface="Calibri"/>
+              <a:cs typeface="Calibri"/>
+            </a:endParaRPr>
+          </a:p>
+        </p:txBody>
+      </p:sp>
       <p:pic>
         <p:nvPicPr>
-          <p:cNvPr id="3" name="Picture 2"/>
+          <p:cNvPr id="8" name="Picture 7"/>
           <p:cNvPicPr>
             <a:picLocks noChangeAspect="1"/>
           </p:cNvPicPr>
@@ -8545,98 +8530,62 @@
         </p:blipFill>
         <p:spPr>
           <a:xfrm>
-            <a:off x="533400" y="990600"/>
-            <a:ext cx="8153400" cy="3339277"/>
+            <a:off x="0" y="1676400"/>
+            <a:ext cx="8686800" cy="936783"/>
           </a:xfrm>
           <a:prstGeom prst="rect">
             <a:avLst/>
           </a:prstGeom>
         </p:spPr>
       </p:pic>
-      <p:sp>
-        <p:nvSpPr>
-          <p:cNvPr id="6" name="TextBox 5"/>
-          <p:cNvSpPr txBox="1"/>
+      <p:pic>
+        <p:nvPicPr>
+          <p:cNvPr id="9" name="Picture 8"/>
+          <p:cNvPicPr>
+            <a:picLocks noChangeAspect="1"/>
+          </p:cNvPicPr>
           <p:nvPr/>
-        </p:nvSpPr>
-        <p:spPr>
-          <a:xfrm>
-            <a:off x="0" y="914400"/>
-            <a:ext cx="536225" cy="769441"/>
+        </p:nvPicPr>
+        <p:blipFill>
+          <a:blip r:embed="rId3"/>
+          <a:stretch>
+            <a:fillRect/>
+          </a:stretch>
+        </p:blipFill>
+        <p:spPr>
+          <a:xfrm>
+            <a:off x="19258" y="2209800"/>
+            <a:ext cx="9144000" cy="1016000"/>
           </a:xfrm>
           <a:prstGeom prst="rect">
             <a:avLst/>
           </a:prstGeom>
-          <a:noFill/>
-        </p:spPr>
-        <p:txBody>
-          <a:bodyPr wrap="none" rtlCol="0">
-            <a:spAutoFit/>
-          </a:bodyPr>
-          <a:lstStyle/>
-          <a:p>
-            <a:r>
-              <a:rPr lang="en-US" sz="4400" dirty="0" smtClean="0">
-                <a:solidFill>
-                  <a:schemeClr val="tx2"/>
-                </a:solidFill>
-                <a:latin typeface="Calibri"/>
-                <a:cs typeface="Calibri"/>
-              </a:rPr>
-              <a:t>H</a:t>
-            </a:r>
-            <a:endParaRPr lang="en-US" sz="4400" dirty="0" smtClean="0">
-              <a:solidFill>
-                <a:schemeClr val="tx2"/>
-              </a:solidFill>
-              <a:latin typeface="Calibri"/>
-              <a:cs typeface="Calibri"/>
-            </a:endParaRPr>
-          </a:p>
-        </p:txBody>
-      </p:sp>
-      <p:sp>
-        <p:nvSpPr>
-          <p:cNvPr id="7" name="TextBox 6"/>
-          <p:cNvSpPr txBox="1"/>
+        </p:spPr>
+      </p:pic>
+      <p:pic>
+        <p:nvPicPr>
+          <p:cNvPr id="10" name="Picture 9"/>
+          <p:cNvPicPr>
+            <a:picLocks noChangeAspect="1"/>
+          </p:cNvPicPr>
           <p:nvPr/>
-        </p:nvSpPr>
-        <p:spPr>
-          <a:xfrm>
-            <a:off x="-37746" y="3352800"/>
-            <a:ext cx="505267" cy="769441"/>
+        </p:nvPicPr>
+        <p:blipFill>
+          <a:blip r:embed="rId4"/>
+          <a:stretch>
+            <a:fillRect/>
+          </a:stretch>
+        </p:blipFill>
+        <p:spPr>
+          <a:xfrm>
+            <a:off x="304800" y="3581400"/>
+            <a:ext cx="8305800" cy="1855175"/>
           </a:xfrm>
           <a:prstGeom prst="rect">
             <a:avLst/>
           </a:prstGeom>
-          <a:noFill/>
-        </p:spPr>
-        <p:txBody>
-          <a:bodyPr wrap="none" rtlCol="0">
-            <a:spAutoFit/>
-          </a:bodyPr>
-          <a:lstStyle/>
-          <a:p>
-            <a:r>
-              <a:rPr lang="en-US" sz="4400" dirty="0" smtClean="0">
-                <a:solidFill>
-                  <a:schemeClr val="tx2"/>
-                </a:solidFill>
-                <a:latin typeface="Calibri"/>
-                <a:cs typeface="Calibri"/>
-              </a:rPr>
-              <a:t>V</a:t>
-            </a:r>
-            <a:endParaRPr lang="en-US" sz="4400" dirty="0" smtClean="0">
-              <a:solidFill>
-                <a:schemeClr val="tx2"/>
-              </a:solidFill>
-              <a:latin typeface="Calibri"/>
-              <a:cs typeface="Calibri"/>
-            </a:endParaRPr>
-          </a:p>
-        </p:txBody>
-      </p:sp>
+        </p:spPr>
+      </p:pic>
     </p:spTree>
     <p:extLst>
       <p:ext uri="{BB962C8B-B14F-4D97-AF65-F5344CB8AC3E}">
@@ -8737,7 +8686,7 @@
       </p:sp>
       <p:pic>
         <p:nvPicPr>
-          <p:cNvPr id="4" name="Picture 3"/>
+          <p:cNvPr id="3" name="Picture 2"/>
           <p:cNvPicPr>
             <a:picLocks noChangeAspect="1"/>
           </p:cNvPicPr>
@@ -8751,8 +8700,8 @@
         </p:blipFill>
         <p:spPr>
           <a:xfrm>
-            <a:off x="0" y="2501900"/>
-            <a:ext cx="9144000" cy="1849172"/>
+            <a:off x="0" y="1143000"/>
+            <a:ext cx="9144000" cy="3263515"/>
           </a:xfrm>
           <a:prstGeom prst="rect">
             <a:avLst/>
@@ -9341,7 +9290,7 @@
   <a:extraClrSchemeLst/>
   <a:extLst>
     <a:ext uri="{05A4C25C-085E-4340-85A3-A5531E510DB2}">
-      <thm15:themeFamily xmlns:thm15="http://schemas.microsoft.com/office/thememl/2012/main" xmlns="" name="Office Theme" id="{62F939B6-93AF-4DB8-9C6B-D6C7DFDC589F}" vid="{4A3C46E8-61CC-4603-A589-7422A47A8E4A}"/>
+      <thm15:themeFamily xmlns="" xmlns:thm15="http://schemas.microsoft.com/office/thememl/2012/main" name="Office Theme" id="{62F939B6-93AF-4DB8-9C6B-D6C7DFDC589F}" vid="{4A3C46E8-61CC-4603-A589-7422A47A8E4A}"/>
     </a:ext>
   </a:extLst>
 </a:theme>

--- a/second/slides/Introduction_to_WOFRY.pptx
+++ b/second/slides/Introduction_to_WOFRY.pptx
@@ -6,10 +6,10 @@
     <p:sldMasterId id="2147483663" r:id="rId2"/>
   </p:sldMasterIdLst>
   <p:notesMasterIdLst>
-    <p:notesMasterId r:id="rId11"/>
+    <p:notesMasterId r:id="rId13"/>
   </p:notesMasterIdLst>
   <p:handoutMasterIdLst>
-    <p:handoutMasterId r:id="rId12"/>
+    <p:handoutMasterId r:id="rId14"/>
   </p:handoutMasterIdLst>
   <p:sldIdLst>
     <p:sldId id="258" r:id="rId3"/>
@@ -20,6 +20,8 @@
     <p:sldId id="269" r:id="rId8"/>
     <p:sldId id="315" r:id="rId9"/>
     <p:sldId id="319" r:id="rId10"/>
+    <p:sldId id="320" r:id="rId11"/>
+    <p:sldId id="321" r:id="rId12"/>
   </p:sldIdLst>
   <p:sldSz cx="9144000" cy="6858000" type="screen4x3"/>
   <p:notesSz cx="6858000" cy="9144000"/>
@@ -120,7 +122,7 @@
   </p:defaultTextStyle>
   <p:extLst>
     <p:ext uri="{EFAFB233-063F-42B5-8137-9DF3F51BA10A}">
-      <p15:sldGuideLst xmlns="" xmlns:p15="http://schemas.microsoft.com/office/powerpoint/2012/main">
+      <p15:sldGuideLst xmlns:p15="http://schemas.microsoft.com/office/powerpoint/2012/main" xmlns="">
         <p15:guide id="1" orient="horz" pos="2160">
           <p15:clr>
             <a:srgbClr val="A4A3A4"/>
@@ -219,7 +221,7 @@
           <a:p>
             <a:fld id="{8D8CAC2A-6F73-C54A-AD32-F1F7A66AE92F}" type="datetime1">
               <a:rPr lang="en-US" smtClean="0"/>
-              <a:t>Dec/8/19</a:t>
+              <a:t>Dec/9/19</a:t>
             </a:fld>
             <a:endParaRPr lang="en-US"/>
           </a:p>
@@ -385,7 +387,7 @@
           <a:p>
             <a:fld id="{D72BE6DB-1362-9D4D-B51B-20E1914E0251}" type="datetime1">
               <a:rPr lang="en-US" smtClean="0"/>
-              <a:t>Dec/8/19</a:t>
+              <a:t>Dec/9/19</a:t>
             </a:fld>
             <a:endParaRPr lang="en-US"/>
           </a:p>
@@ -874,7 +876,7 @@
           <a:p>
             <a:fld id="{33ED6462-88CB-4387-9DD0-5CAA984BBCF8}" type="datetimeFigureOut">
               <a:rPr lang="en-US" smtClean="0"/>
-              <a:t>Dec/8/19</a:t>
+              <a:t>Dec/9/19</a:t>
             </a:fld>
             <a:endParaRPr lang="en-US"/>
           </a:p>
@@ -1044,7 +1046,7 @@
           <a:p>
             <a:fld id="{33ED6462-88CB-4387-9DD0-5CAA984BBCF8}" type="datetimeFigureOut">
               <a:rPr lang="en-US" smtClean="0"/>
-              <a:t>Dec/8/19</a:t>
+              <a:t>Dec/9/19</a:t>
             </a:fld>
             <a:endParaRPr lang="en-US"/>
           </a:p>
@@ -1290,7 +1292,7 @@
           <a:p>
             <a:fld id="{33ED6462-88CB-4387-9DD0-5CAA984BBCF8}" type="datetimeFigureOut">
               <a:rPr lang="en-US" smtClean="0"/>
-              <a:t>Dec/8/19</a:t>
+              <a:t>Dec/9/19</a:t>
             </a:fld>
             <a:endParaRPr lang="en-US"/>
           </a:p>
@@ -1522,7 +1524,7 @@
           <a:p>
             <a:fld id="{33ED6462-88CB-4387-9DD0-5CAA984BBCF8}" type="datetimeFigureOut">
               <a:rPr lang="en-US" smtClean="0"/>
-              <a:t>Dec/8/19</a:t>
+              <a:t>Dec/9/19</a:t>
             </a:fld>
             <a:endParaRPr lang="en-US"/>
           </a:p>
@@ -1889,7 +1891,7 @@
           <a:p>
             <a:fld id="{33ED6462-88CB-4387-9DD0-5CAA984BBCF8}" type="datetimeFigureOut">
               <a:rPr lang="en-US" smtClean="0"/>
-              <a:t>Dec/8/19</a:t>
+              <a:t>Dec/9/19</a:t>
             </a:fld>
             <a:endParaRPr lang="en-US"/>
           </a:p>
@@ -2007,7 +2009,7 @@
           <a:p>
             <a:fld id="{33ED6462-88CB-4387-9DD0-5CAA984BBCF8}" type="datetimeFigureOut">
               <a:rPr lang="en-US" smtClean="0"/>
-              <a:t>Dec/8/19</a:t>
+              <a:t>Dec/9/19</a:t>
             </a:fld>
             <a:endParaRPr lang="en-US"/>
           </a:p>
@@ -2102,7 +2104,7 @@
           <a:p>
             <a:fld id="{33ED6462-88CB-4387-9DD0-5CAA984BBCF8}" type="datetimeFigureOut">
               <a:rPr lang="en-US" smtClean="0"/>
-              <a:t>Dec/8/19</a:t>
+              <a:t>Dec/9/19</a:t>
             </a:fld>
             <a:endParaRPr lang="en-US"/>
           </a:p>
@@ -2379,7 +2381,7 @@
           <a:p>
             <a:fld id="{33ED6462-88CB-4387-9DD0-5CAA984BBCF8}" type="datetimeFigureOut">
               <a:rPr lang="en-US" smtClean="0"/>
-              <a:t>Dec/8/19</a:t>
+              <a:t>Dec/9/19</a:t>
             </a:fld>
             <a:endParaRPr lang="en-US"/>
           </a:p>
@@ -2632,7 +2634,7 @@
           <a:p>
             <a:fld id="{33ED6462-88CB-4387-9DD0-5CAA984BBCF8}" type="datetimeFigureOut">
               <a:rPr lang="en-US" smtClean="0"/>
-              <a:t>Dec/8/19</a:t>
+              <a:t>Dec/9/19</a:t>
             </a:fld>
             <a:endParaRPr lang="en-US"/>
           </a:p>
@@ -2802,7 +2804,7 @@
           <a:p>
             <a:fld id="{33ED6462-88CB-4387-9DD0-5CAA984BBCF8}" type="datetimeFigureOut">
               <a:rPr lang="en-US" smtClean="0"/>
-              <a:t>Dec/8/19</a:t>
+              <a:t>Dec/9/19</a:t>
             </a:fld>
             <a:endParaRPr lang="en-US"/>
           </a:p>
@@ -3109,7 +3111,7 @@
           <a:p>
             <a:fld id="{33ED6462-88CB-4387-9DD0-5CAA984BBCF8}" type="datetimeFigureOut">
               <a:rPr lang="en-US" smtClean="0"/>
-              <a:t>Dec/8/19</a:t>
+              <a:t>Dec/9/19</a:t>
             </a:fld>
             <a:endParaRPr lang="en-US"/>
           </a:p>
@@ -4932,7 +4934,7 @@
           <a:p>
             <a:fld id="{33ED6462-88CB-4387-9DD0-5CAA984BBCF8}" type="datetimeFigureOut">
               <a:rPr lang="en-US" smtClean="0"/>
-              <a:t>Dec/8/19</a:t>
+              <a:t>Dec/9/19</a:t>
             </a:fld>
             <a:endParaRPr lang="en-US"/>
           </a:p>
@@ -5768,6 +5770,164 @@
 </p:sld>
 </file>
 
+<file path=ppt/slides/slide10.xml><?xml version="1.0" encoding="utf-8"?>
+<p:sld xmlns:a="http://schemas.openxmlformats.org/drawingml/2006/main" xmlns:r="http://schemas.openxmlformats.org/officeDocument/2006/relationships" xmlns:p="http://schemas.openxmlformats.org/presentationml/2006/main">
+  <p:cSld>
+    <p:spTree>
+      <p:nvGrpSpPr>
+        <p:cNvPr id="1" name=""/>
+        <p:cNvGrpSpPr/>
+        <p:nvPr/>
+      </p:nvGrpSpPr>
+      <p:grpSpPr>
+        <a:xfrm>
+          <a:off x="0" y="0"/>
+          <a:ext cx="0" cy="0"/>
+          <a:chOff x="0" y="0"/>
+          <a:chExt cx="0" cy="0"/>
+        </a:xfrm>
+      </p:grpSpPr>
+      <p:sp>
+        <p:nvSpPr>
+          <p:cNvPr id="2" name="Title 1"/>
+          <p:cNvSpPr>
+            <a:spLocks noGrp="1"/>
+          </p:cNvSpPr>
+          <p:nvPr>
+            <p:ph type="title"/>
+          </p:nvPr>
+        </p:nvSpPr>
+        <p:spPr>
+          <a:xfrm>
+            <a:off x="228600" y="533400"/>
+            <a:ext cx="8686800" cy="1362075"/>
+          </a:xfrm>
+        </p:spPr>
+        <p:txBody>
+          <a:bodyPr/>
+          <a:lstStyle/>
+          <a:p>
+            <a:r>
+              <a:rPr lang="en-US" dirty="0" smtClean="0"/>
+              <a:t>Shortcuts to second OASYS school web:</a:t>
+            </a:r>
+            <a:br>
+              <a:rPr lang="en-US" dirty="0" smtClean="0"/>
+            </a:br>
+            <a:r>
+              <a:rPr lang="en-US" dirty="0"/>
+              <a:t/>
+            </a:r>
+            <a:br>
+              <a:rPr lang="en-US" dirty="0"/>
+            </a:br>
+            <a:r>
+              <a:rPr lang="en-US" dirty="0" smtClean="0"/>
+              <a:t/>
+            </a:r>
+            <a:br>
+              <a:rPr lang="en-US" dirty="0" smtClean="0"/>
+            </a:br>
+            <a:endParaRPr lang="en-US" dirty="0"/>
+          </a:p>
+        </p:txBody>
+      </p:sp>
+      <p:sp>
+        <p:nvSpPr>
+          <p:cNvPr id="3" name="TextBox 2"/>
+          <p:cNvSpPr txBox="1"/>
+          <p:nvPr/>
+        </p:nvSpPr>
+        <p:spPr>
+          <a:xfrm>
+            <a:off x="609600" y="1981200"/>
+            <a:ext cx="7256313" cy="3046988"/>
+          </a:xfrm>
+          <a:prstGeom prst="rect">
+            <a:avLst/>
+          </a:prstGeom>
+          <a:noFill/>
+        </p:spPr>
+        <p:txBody>
+          <a:bodyPr wrap="none" rtlCol="0">
+            <a:spAutoFit/>
+          </a:bodyPr>
+          <a:lstStyle/>
+          <a:p>
+            <a:r>
+              <a:rPr lang="en-US" sz="2400" dirty="0" smtClean="0">
+                <a:hlinkClick r:id="rId2"/>
+              </a:rPr>
+              <a:t>http:</a:t>
+            </a:r>
+            <a:r>
+              <a:rPr lang="en-US" sz="2400" dirty="0">
+                <a:hlinkClick r:id="rId2"/>
+              </a:rPr>
+              <a:t>//tinyurl.com/</a:t>
+            </a:r>
+            <a:r>
+              <a:rPr lang="en-US" sz="2400" dirty="0" smtClean="0">
+                <a:hlinkClick r:id="rId2"/>
+              </a:rPr>
+              <a:t>r5fq6pe</a:t>
+            </a:r>
+            <a:endParaRPr lang="en-US" sz="2400" dirty="0" smtClean="0"/>
+          </a:p>
+          <a:p>
+            <a:endParaRPr lang="en-US" sz="2400" dirty="0"/>
+          </a:p>
+          <a:p>
+            <a:r>
+              <a:rPr lang="en-US" sz="2400" dirty="0" smtClean="0">
+                <a:hlinkClick r:id="rId3"/>
+              </a:rPr>
+              <a:t>http://tinyurl.com/v98cllg</a:t>
+            </a:r>
+            <a:r>
+              <a:rPr lang="en-US" sz="2400" dirty="0">
+                <a:hlinkClick r:id="rId3"/>
+              </a:rPr>
+              <a:t>/﻿ISN_undulator_25KeV.json</a:t>
+            </a:r>
+            <a:endParaRPr lang="en-US" sz="2400" dirty="0"/>
+          </a:p>
+          <a:p>
+            <a:endParaRPr lang="en-US" sz="2400" dirty="0" smtClean="0"/>
+          </a:p>
+          <a:p>
+            <a:endParaRPr lang="en-US" sz="2400" dirty="0"/>
+          </a:p>
+          <a:p>
+            <a:endParaRPr lang="en-US" sz="2400" dirty="0" smtClean="0"/>
+          </a:p>
+          <a:p>
+            <a:endParaRPr lang="en-US" sz="2400" dirty="0"/>
+          </a:p>
+          <a:p>
+            <a:endParaRPr lang="en-US" sz="2400" dirty="0" smtClean="0">
+              <a:solidFill>
+                <a:schemeClr val="tx2"/>
+              </a:solidFill>
+              <a:latin typeface="Calibri"/>
+              <a:cs typeface="Calibri"/>
+            </a:endParaRPr>
+          </a:p>
+        </p:txBody>
+      </p:sp>
+    </p:spTree>
+    <p:extLst>
+      <p:ext uri="{BB962C8B-B14F-4D97-AF65-F5344CB8AC3E}">
+        <p14:creationId xmlns:p14="http://schemas.microsoft.com/office/powerpoint/2010/main" val="142009267"/>
+      </p:ext>
+    </p:extLst>
+  </p:cSld>
+  <p:clrMapOvr>
+    <a:masterClrMapping/>
+  </p:clrMapOvr>
+</p:sld>
+</file>
+
 <file path=ppt/slides/slide2.xml><?xml version="1.0" encoding="utf-8"?>
 <p:sld xmlns:a="http://schemas.openxmlformats.org/drawingml/2006/main" xmlns:r="http://schemas.openxmlformats.org/officeDocument/2006/relationships" xmlns:p="http://schemas.openxmlformats.org/presentationml/2006/main">
   <p:cSld>
@@ -8468,52 +8628,6 @@
           </a:p>
         </p:txBody>
       </p:sp>
-      <p:sp>
-        <p:nvSpPr>
-          <p:cNvPr id="4" name="TextBox 3"/>
-          <p:cNvSpPr txBox="1"/>
-          <p:nvPr/>
-        </p:nvSpPr>
-        <p:spPr>
-          <a:xfrm>
-            <a:off x="762000" y="5638800"/>
-            <a:ext cx="3725749" cy="830997"/>
-          </a:xfrm>
-          <a:prstGeom prst="rect">
-            <a:avLst/>
-          </a:prstGeom>
-          <a:noFill/>
-        </p:spPr>
-        <p:txBody>
-          <a:bodyPr wrap="none" rtlCol="0">
-            <a:spAutoFit/>
-          </a:bodyPr>
-          <a:lstStyle/>
-          <a:p>
-            <a:r>
-              <a:rPr lang="en-US" sz="2400" dirty="0"/>
-              <a:t>https://</a:t>
-            </a:r>
-            <a:r>
-              <a:rPr lang="en-US" sz="2400" dirty="0" err="1"/>
-              <a:t>tinyurl.com</a:t>
-            </a:r>
-            <a:r>
-              <a:rPr lang="en-US" sz="2400" dirty="0"/>
-              <a:t>/r5fq6pe</a:t>
-            </a:r>
-          </a:p>
-          <a:p>
-            <a:endParaRPr lang="en-US" sz="2400" dirty="0" smtClean="0">
-              <a:solidFill>
-                <a:schemeClr val="tx2"/>
-              </a:solidFill>
-              <a:latin typeface="Calibri"/>
-              <a:cs typeface="Calibri"/>
-            </a:endParaRPr>
-          </a:p>
-        </p:txBody>
-      </p:sp>
       <p:pic>
         <p:nvPicPr>
           <p:cNvPr id="8" name="Picture 7"/>
@@ -8645,7 +8759,11 @@
           <a:p>
             <a:r>
               <a:rPr lang="en-US" dirty="0" smtClean="0"/>
-              <a:t>2D simplified model of ISN </a:t>
+              <a:t>2D </a:t>
+            </a:r>
+            <a:r>
+              <a:rPr lang="en-US" dirty="0" smtClean="0"/>
+              <a:t>Oversimplified </a:t>
             </a:r>
             <a:r>
               <a:rPr lang="en-US" dirty="0" err="1" smtClean="0"/>
@@ -8679,6 +8797,306 @@
               <a:rPr lang="en-US" smtClean="0"/>
               <a:pPr/>
               <a:t>8</a:t>
+            </a:fld>
+            <a:endParaRPr lang="en-US" dirty="0"/>
+          </a:p>
+        </p:txBody>
+      </p:sp>
+      <p:pic>
+        <p:nvPicPr>
+          <p:cNvPr id="4" name="Picture 3"/>
+          <p:cNvPicPr>
+            <a:picLocks noChangeAspect="1"/>
+          </p:cNvPicPr>
+          <p:nvPr/>
+        </p:nvPicPr>
+        <p:blipFill>
+          <a:blip r:embed="rId2"/>
+          <a:stretch>
+            <a:fillRect/>
+          </a:stretch>
+        </p:blipFill>
+        <p:spPr>
+          <a:xfrm>
+            <a:off x="228600" y="1600200"/>
+            <a:ext cx="3276600" cy="1292061"/>
+          </a:xfrm>
+          <a:prstGeom prst="rect">
+            <a:avLst/>
+          </a:prstGeom>
+        </p:spPr>
+      </p:pic>
+      <p:pic>
+        <p:nvPicPr>
+          <p:cNvPr id="6" name="Picture 5"/>
+          <p:cNvPicPr>
+            <a:picLocks noChangeAspect="1"/>
+          </p:cNvPicPr>
+          <p:nvPr/>
+        </p:nvPicPr>
+        <p:blipFill>
+          <a:blip r:embed="rId3"/>
+          <a:stretch>
+            <a:fillRect/>
+          </a:stretch>
+        </p:blipFill>
+        <p:spPr>
+          <a:xfrm>
+            <a:off x="3962400" y="914400"/>
+            <a:ext cx="4267200" cy="2683253"/>
+          </a:xfrm>
+          <a:prstGeom prst="rect">
+            <a:avLst/>
+          </a:prstGeom>
+        </p:spPr>
+      </p:pic>
+      <p:sp>
+        <p:nvSpPr>
+          <p:cNvPr id="8" name="Rectangle 7"/>
+          <p:cNvSpPr/>
+          <p:nvPr/>
+        </p:nvSpPr>
+        <p:spPr>
+          <a:xfrm>
+            <a:off x="381000" y="4343400"/>
+            <a:ext cx="8534400" cy="1754327"/>
+          </a:xfrm>
+          <a:prstGeom prst="rect">
+            <a:avLst/>
+          </a:prstGeom>
+        </p:spPr>
+        <p:txBody>
+          <a:bodyPr wrap="square">
+            <a:spAutoFit/>
+          </a:bodyPr>
+          <a:lstStyle/>
+          <a:p>
+            <a:r>
+              <a:rPr lang="en-US" dirty="0"/>
+              <a:t>The diffraction by a </a:t>
+            </a:r>
+            <a:r>
+              <a:rPr lang="en-US" dirty="0" err="1"/>
+              <a:t>DxD</a:t>
+            </a:r>
+            <a:r>
+              <a:rPr lang="en-US" dirty="0"/>
+              <a:t> square aperture of a collapsing spherical </a:t>
+            </a:r>
+            <a:r>
+              <a:rPr lang="en-US" dirty="0" err="1"/>
+              <a:t>wavefront</a:t>
+            </a:r>
+            <a:r>
+              <a:rPr lang="en-US" dirty="0"/>
+              <a:t> has an intensity distribution proportional to sinc</a:t>
+            </a:r>
+            <a:r>
+              <a:rPr lang="en-US" baseline="30000" dirty="0"/>
+              <a:t>2</a:t>
+            </a:r>
+            <a:r>
+              <a:rPr lang="en-US" dirty="0"/>
+              <a:t>(</a:t>
+            </a:r>
+            <a:r>
+              <a:rPr lang="en-US" dirty="0" err="1"/>
+              <a:t>kDx</a:t>
+            </a:r>
+            <a:r>
+              <a:rPr lang="en-US" dirty="0"/>
+              <a:t>/2f ) sinc</a:t>
+            </a:r>
+            <a:r>
+              <a:rPr lang="en-US" baseline="30000" dirty="0"/>
+              <a:t>2</a:t>
+            </a:r>
+            <a:r>
+              <a:rPr lang="en-US" dirty="0"/>
+              <a:t>(</a:t>
+            </a:r>
+            <a:r>
+              <a:rPr lang="en-US" dirty="0" err="1"/>
+              <a:t>kDy</a:t>
+            </a:r>
+            <a:r>
+              <a:rPr lang="en-US" dirty="0"/>
+              <a:t>/2f), where k=2π/</a:t>
+            </a:r>
+            <a:r>
+              <a:rPr lang="en-US" dirty="0" err="1"/>
+              <a:t>λ</a:t>
+            </a:r>
+            <a:r>
+              <a:rPr lang="en-US" dirty="0"/>
+              <a:t>, x(y) is the horizontal (vertical) coordinate, and f is the distance aperture-focus (D/f is the divergence). Considering that the FWHM of sinc</a:t>
+            </a:r>
+            <a:r>
+              <a:rPr lang="en-US" baseline="30000" dirty="0"/>
+              <a:t>2</a:t>
+            </a:r>
+            <a:r>
+              <a:rPr lang="en-US" dirty="0"/>
+              <a:t>(x) is approximately 2.78, one obtains </a:t>
+            </a:r>
+            <a:r>
+              <a:rPr lang="en-US" dirty="0" smtClean="0"/>
+              <a:t>a </a:t>
+            </a:r>
+            <a:r>
+              <a:rPr lang="en-US" dirty="0"/>
+              <a:t>FWHM=0.885 * wavelength / </a:t>
+            </a:r>
+            <a:r>
+              <a:rPr lang="en-US" dirty="0" smtClean="0"/>
+              <a:t>divergence=18nm</a:t>
+            </a:r>
+            <a:endParaRPr lang="en-US" dirty="0"/>
+          </a:p>
+          <a:p>
+            <a:r>
+              <a:rPr lang="en-US" dirty="0" smtClean="0"/>
+              <a:t> </a:t>
+            </a:r>
+            <a:endParaRPr lang="en-US" dirty="0"/>
+          </a:p>
+        </p:txBody>
+      </p:sp>
+      <p:sp>
+        <p:nvSpPr>
+          <p:cNvPr id="11" name="TextBox 10"/>
+          <p:cNvSpPr txBox="1"/>
+          <p:nvPr/>
+        </p:nvSpPr>
+        <p:spPr>
+          <a:xfrm>
+            <a:off x="457200" y="3886200"/>
+            <a:ext cx="3376195" cy="461665"/>
+          </a:xfrm>
+          <a:prstGeom prst="rect">
+            <a:avLst/>
+          </a:prstGeom>
+          <a:noFill/>
+        </p:spPr>
+        <p:txBody>
+          <a:bodyPr wrap="none" rtlCol="0">
+            <a:spAutoFit/>
+          </a:bodyPr>
+          <a:lstStyle/>
+          <a:p>
+            <a:r>
+              <a:rPr lang="en-US" sz="2400" dirty="0" smtClean="0">
+                <a:solidFill>
+                  <a:schemeClr val="tx2"/>
+                </a:solidFill>
+                <a:latin typeface="Calibri"/>
+                <a:cs typeface="Calibri"/>
+              </a:rPr>
+              <a:t>Theoretical consideration</a:t>
+            </a:r>
+            <a:endParaRPr lang="en-US" sz="2400" dirty="0" smtClean="0">
+              <a:solidFill>
+                <a:schemeClr val="tx2"/>
+              </a:solidFill>
+              <a:latin typeface="Calibri"/>
+              <a:cs typeface="Calibri"/>
+            </a:endParaRPr>
+          </a:p>
+        </p:txBody>
+      </p:sp>
+    </p:spTree>
+    <p:extLst>
+      <p:ext uri="{BB962C8B-B14F-4D97-AF65-F5344CB8AC3E}">
+        <p14:creationId xmlns:p14="http://schemas.microsoft.com/office/powerpoint/2010/main" val="4019428045"/>
+      </p:ext>
+    </p:extLst>
+  </p:cSld>
+  <p:clrMapOvr>
+    <a:masterClrMapping/>
+  </p:clrMapOvr>
+  <p:timing>
+    <p:tnLst>
+      <p:par>
+        <p:cTn xmlns:p14="http://schemas.microsoft.com/office/powerpoint/2010/main" id="1" dur="indefinite" restart="never" nodeType="tmRoot"/>
+      </p:par>
+    </p:tnLst>
+  </p:timing>
+</p:sld>
+</file>
+
+<file path=ppt/slides/slide9.xml><?xml version="1.0" encoding="utf-8"?>
+<p:sld xmlns:a="http://schemas.openxmlformats.org/drawingml/2006/main" xmlns:r="http://schemas.openxmlformats.org/officeDocument/2006/relationships" xmlns:p="http://schemas.openxmlformats.org/presentationml/2006/main">
+  <p:cSld>
+    <p:spTree>
+      <p:nvGrpSpPr>
+        <p:cNvPr id="1" name=""/>
+        <p:cNvGrpSpPr/>
+        <p:nvPr/>
+      </p:nvGrpSpPr>
+      <p:grpSpPr>
+        <a:xfrm>
+          <a:off x="0" y="0"/>
+          <a:ext cx="0" cy="0"/>
+          <a:chOff x="0" y="0"/>
+          <a:chExt cx="0" cy="0"/>
+        </a:xfrm>
+      </p:grpSpPr>
+      <p:sp>
+        <p:nvSpPr>
+          <p:cNvPr id="2" name="Title 1"/>
+          <p:cNvSpPr>
+            <a:spLocks noGrp="1"/>
+          </p:cNvSpPr>
+          <p:nvPr>
+            <p:ph type="title"/>
+          </p:nvPr>
+        </p:nvSpPr>
+        <p:spPr>
+          <a:xfrm>
+            <a:off x="304800" y="228601"/>
+            <a:ext cx="8382000" cy="762000"/>
+          </a:xfrm>
+        </p:spPr>
+        <p:txBody>
+          <a:bodyPr/>
+          <a:lstStyle/>
+          <a:p>
+            <a:r>
+              <a:rPr lang="en-US" dirty="0" smtClean="0"/>
+              <a:t>2D simplified model of ISN </a:t>
+            </a:r>
+            <a:r>
+              <a:rPr lang="en-US" dirty="0" err="1" smtClean="0"/>
+              <a:t>Beamline</a:t>
+            </a:r>
+            <a:endParaRPr lang="en-US" dirty="0"/>
+          </a:p>
+        </p:txBody>
+      </p:sp>
+      <p:sp>
+        <p:nvSpPr>
+          <p:cNvPr id="5" name="Slide Number Placeholder 4"/>
+          <p:cNvSpPr>
+            <a:spLocks noGrp="1"/>
+          </p:cNvSpPr>
+          <p:nvPr>
+            <p:ph type="sldNum" sz="quarter" idx="4294967295"/>
+          </p:nvPr>
+        </p:nvSpPr>
+        <p:spPr>
+          <a:xfrm>
+            <a:off x="3505200" y="6458855"/>
+            <a:ext cx="2133600" cy="365125"/>
+          </a:xfrm>
+        </p:spPr>
+        <p:txBody>
+          <a:bodyPr/>
+          <a:lstStyle/>
+          <a:p>
+            <a:fld id="{8E8EECC0-62E2-794C-BFF4-3606EC20E166}" type="slidenum">
+              <a:rPr lang="en-US" smtClean="0"/>
+              <a:pPr/>
+              <a:t>9</a:t>
             </a:fld>
             <a:endParaRPr lang="en-US" dirty="0"/>
           </a:p>
@@ -8711,7 +9129,7 @@
     </p:spTree>
     <p:extLst>
       <p:ext uri="{BB962C8B-B14F-4D97-AF65-F5344CB8AC3E}">
-        <p14:creationId xmlns:p14="http://schemas.microsoft.com/office/powerpoint/2010/main" val="4019428045"/>
+        <p14:creationId xmlns:p14="http://schemas.microsoft.com/office/powerpoint/2010/main" val="1598037914"/>
       </p:ext>
     </p:extLst>
   </p:cSld>
@@ -9290,7 +9708,7 @@
   <a:extraClrSchemeLst/>
   <a:extLst>
     <a:ext uri="{05A4C25C-085E-4340-85A3-A5531E510DB2}">
-      <thm15:themeFamily xmlns="" xmlns:thm15="http://schemas.microsoft.com/office/thememl/2012/main" name="Office Theme" id="{62F939B6-93AF-4DB8-9C6B-D6C7DFDC589F}" vid="{4A3C46E8-61CC-4603-A589-7422A47A8E4A}"/>
+      <thm15:themeFamily xmlns:thm15="http://schemas.microsoft.com/office/thememl/2012/main" xmlns="" name="Office Theme" id="{62F939B6-93AF-4DB8-9C6B-D6C7DFDC589F}" vid="{4A3C46E8-61CC-4603-A589-7422A47A8E4A}"/>
     </a:ext>
   </a:extLst>
 </a:theme>

--- a/second/slides/Introduction_to_WOFRY.pptx
+++ b/second/slides/Introduction_to_WOFRY.pptx
@@ -122,7 +122,7 @@
   </p:defaultTextStyle>
   <p:extLst>
     <p:ext uri="{EFAFB233-063F-42B5-8137-9DF3F51BA10A}">
-      <p15:sldGuideLst xmlns:p15="http://schemas.microsoft.com/office/powerpoint/2012/main" xmlns="">
+      <p15:sldGuideLst xmlns="" xmlns:p15="http://schemas.microsoft.com/office/powerpoint/2012/main">
         <p15:guide id="1" orient="horz" pos="2160">
           <p15:clr>
             <a:srgbClr val="A4A3A4"/>
@@ -5957,7 +5957,7 @@
         </p:nvSpPr>
         <p:spPr>
           <a:xfrm>
-            <a:off x="609600" y="457200"/>
+            <a:off x="609600" y="-76200"/>
             <a:ext cx="7772400" cy="1362075"/>
           </a:xfrm>
         </p:spPr>
@@ -5981,7 +5981,7 @@
         </p:nvSpPr>
         <p:spPr>
           <a:xfrm>
-            <a:off x="2819400" y="533400"/>
+            <a:off x="2819400" y="0"/>
             <a:ext cx="4876800" cy="1200328"/>
           </a:xfrm>
           <a:prstGeom prst="rect">
@@ -6053,7 +6053,7 @@
         </p:nvSpPr>
         <p:spPr>
           <a:xfrm>
-            <a:off x="457200" y="1219200"/>
+            <a:off x="304800" y="551795"/>
             <a:ext cx="8458200" cy="4401205"/>
           </a:xfrm>
           <a:prstGeom prst="rect">
@@ -6279,7 +6279,7 @@
         </p:nvSpPr>
         <p:spPr>
           <a:xfrm>
-            <a:off x="304800" y="228600"/>
+            <a:off x="304800" y="-114449"/>
             <a:ext cx="7772400" cy="1362075"/>
           </a:xfrm>
         </p:spPr>
@@ -6347,7 +6347,7 @@
         </p:blipFill>
         <p:spPr>
           <a:xfrm>
-            <a:off x="152400" y="1371600"/>
+            <a:off x="0" y="1066800"/>
             <a:ext cx="3099651" cy="1471430"/>
           </a:xfrm>
           <a:prstGeom prst="rect">
@@ -6371,7 +6371,7 @@
         </p:blipFill>
         <p:spPr>
           <a:xfrm>
-            <a:off x="3276600" y="1371600"/>
+            <a:off x="3276600" y="1028551"/>
             <a:ext cx="2937691" cy="3251200"/>
           </a:xfrm>
           <a:prstGeom prst="rect">
@@ -6395,7 +6395,7 @@
         </p:blipFill>
         <p:spPr>
           <a:xfrm>
-            <a:off x="6353129" y="1371600"/>
+            <a:off x="6353129" y="1028551"/>
             <a:ext cx="2790871" cy="2247900"/>
           </a:xfrm>
           <a:prstGeom prst="rect">
@@ -6419,7 +6419,7 @@
         </p:blipFill>
         <p:spPr>
           <a:xfrm>
-            <a:off x="457200" y="3276600"/>
+            <a:off x="457200" y="3390751"/>
             <a:ext cx="2286000" cy="2552849"/>
           </a:xfrm>
           <a:prstGeom prst="rect">
@@ -6435,7 +6435,7 @@
         </p:nvSpPr>
         <p:spPr>
           <a:xfrm>
-            <a:off x="381000" y="5029200"/>
+            <a:off x="381000" y="5143351"/>
             <a:ext cx="762000" cy="762000"/>
           </a:xfrm>
           <a:prstGeom prst="ellipse">
@@ -6485,7 +6485,7 @@
         </p:nvSpPr>
         <p:spPr>
           <a:xfrm>
-            <a:off x="2057400" y="4267200"/>
+            <a:off x="2057400" y="4381351"/>
             <a:ext cx="838200" cy="838200"/>
           </a:xfrm>
           <a:prstGeom prst="ellipse">
@@ -6576,7 +6576,7 @@
         </p:nvSpPr>
         <p:spPr>
           <a:xfrm>
-            <a:off x="304800" y="228600"/>
+            <a:off x="304800" y="-152400"/>
             <a:ext cx="7772400" cy="1362075"/>
           </a:xfrm>
         </p:spPr>
@@ -6637,7 +6637,7 @@
         </p:blipFill>
         <p:spPr>
           <a:xfrm>
-            <a:off x="1447799" y="3581400"/>
+            <a:off x="1447799" y="3200400"/>
             <a:ext cx="4281999" cy="2473136"/>
           </a:xfrm>
           <a:prstGeom prst="rect">
@@ -6661,7 +6661,7 @@
         </p:blipFill>
         <p:spPr>
           <a:xfrm>
-            <a:off x="1447800" y="1143000"/>
+            <a:off x="1447800" y="762000"/>
             <a:ext cx="4279900" cy="2270754"/>
           </a:xfrm>
           <a:prstGeom prst="rect">
@@ -6677,7 +6677,7 @@
         </p:nvSpPr>
         <p:spPr>
           <a:xfrm>
-            <a:off x="381000" y="1828800"/>
+            <a:off x="381000" y="1447800"/>
             <a:ext cx="817802" cy="769441"/>
           </a:xfrm>
           <a:prstGeom prst="rect">
@@ -6712,7 +6712,7 @@
         </p:nvSpPr>
         <p:spPr>
           <a:xfrm>
-            <a:off x="381000" y="4343400"/>
+            <a:off x="381000" y="3962400"/>
             <a:ext cx="817802" cy="769441"/>
           </a:xfrm>
           <a:prstGeom prst="rect">
@@ -6747,7 +6747,7 @@
         </p:nvSpPr>
         <p:spPr>
           <a:xfrm>
-            <a:off x="6019800" y="1981200"/>
+            <a:off x="6019800" y="575608"/>
             <a:ext cx="2834129" cy="1938992"/>
           </a:xfrm>
           <a:prstGeom prst="rect">
@@ -8579,7 +8579,7 @@
         </p:nvSpPr>
         <p:spPr>
           <a:xfrm>
-            <a:off x="304800" y="228601"/>
+            <a:off x="304800" y="49826"/>
             <a:ext cx="8610600" cy="762000"/>
           </a:xfrm>
         </p:spPr>
@@ -8644,7 +8644,7 @@
         </p:blipFill>
         <p:spPr>
           <a:xfrm>
-            <a:off x="0" y="1676400"/>
+            <a:off x="0" y="990600"/>
             <a:ext cx="8686800" cy="936783"/>
           </a:xfrm>
           <a:prstGeom prst="rect">
@@ -8668,7 +8668,7 @@
         </p:blipFill>
         <p:spPr>
           <a:xfrm>
-            <a:off x="19258" y="2209800"/>
+            <a:off x="19258" y="1752600"/>
             <a:ext cx="9144000" cy="1016000"/>
           </a:xfrm>
           <a:prstGeom prst="rect">
@@ -8692,7 +8692,7 @@
         </p:blipFill>
         <p:spPr>
           <a:xfrm>
-            <a:off x="304800" y="3581400"/>
+            <a:off x="304800" y="2819400"/>
             <a:ext cx="8305800" cy="1855175"/>
           </a:xfrm>
           <a:prstGeom prst="rect">
@@ -8749,7 +8749,7 @@
         </p:nvSpPr>
         <p:spPr>
           <a:xfrm>
-            <a:off x="304800" y="228601"/>
+            <a:off x="76200" y="-76200"/>
             <a:ext cx="8382000" cy="762000"/>
           </a:xfrm>
         </p:spPr>
@@ -8759,11 +8759,7 @@
           <a:p>
             <a:r>
               <a:rPr lang="en-US" dirty="0" smtClean="0"/>
-              <a:t>2D </a:t>
-            </a:r>
-            <a:r>
-              <a:rPr lang="en-US" dirty="0" smtClean="0"/>
-              <a:t>Oversimplified </a:t>
+              <a:t>2D Oversimplified </a:t>
             </a:r>
             <a:r>
               <a:rPr lang="en-US" dirty="0" err="1" smtClean="0"/>
@@ -8818,7 +8814,7 @@
         </p:blipFill>
         <p:spPr>
           <a:xfrm>
-            <a:off x="228600" y="1600200"/>
+            <a:off x="228600" y="762000"/>
             <a:ext cx="3276600" cy="1292061"/>
           </a:xfrm>
           <a:prstGeom prst="rect">
@@ -8842,8 +8838,8 @@
         </p:blipFill>
         <p:spPr>
           <a:xfrm>
-            <a:off x="3962400" y="914400"/>
-            <a:ext cx="4267200" cy="2683253"/>
+            <a:off x="3810000" y="685800"/>
+            <a:ext cx="4847260" cy="3048000"/>
           </a:xfrm>
           <a:prstGeom prst="rect">
             <a:avLst/>
@@ -8858,7 +8854,7 @@
         </p:nvSpPr>
         <p:spPr>
           <a:xfrm>
-            <a:off x="381000" y="4343400"/>
+            <a:off x="304800" y="3962400"/>
             <a:ext cx="8534400" cy="1754327"/>
           </a:xfrm>
           <a:prstGeom prst="rect">
@@ -8970,7 +8966,7 @@
         </p:nvSpPr>
         <p:spPr>
           <a:xfrm>
-            <a:off x="457200" y="3886200"/>
+            <a:off x="304800" y="3429000"/>
             <a:ext cx="3376195" cy="461665"/>
           </a:xfrm>
           <a:prstGeom prst="rect">
@@ -8994,13 +8990,6 @@
               </a:rPr>
               <a:t>Theoretical consideration</a:t>
             </a:r>
-            <a:endParaRPr lang="en-US" sz="2400" dirty="0" smtClean="0">
-              <a:solidFill>
-                <a:schemeClr val="tx2"/>
-              </a:solidFill>
-              <a:latin typeface="Calibri"/>
-              <a:cs typeface="Calibri"/>
-            </a:endParaRPr>
           </a:p>
         </p:txBody>
       </p:sp>
@@ -9708,7 +9697,7 @@
   <a:extraClrSchemeLst/>
   <a:extLst>
     <a:ext uri="{05A4C25C-085E-4340-85A3-A5531E510DB2}">
-      <thm15:themeFamily xmlns:thm15="http://schemas.microsoft.com/office/thememl/2012/main" xmlns="" name="Office Theme" id="{62F939B6-93AF-4DB8-9C6B-D6C7DFDC589F}" vid="{4A3C46E8-61CC-4603-A589-7422A47A8E4A}"/>
+      <thm15:themeFamily xmlns="" xmlns:thm15="http://schemas.microsoft.com/office/thememl/2012/main" name="Office Theme" id="{62F939B6-93AF-4DB8-9C6B-D6C7DFDC589F}" vid="{4A3C46E8-61CC-4603-A589-7422A47A8E4A}"/>
     </a:ext>
   </a:extLst>
 </a:theme>
